--- a/PracticeTasks/Module1/Final_Task/K8C_FinalTask1_(Task8).pptx
+++ b/PracticeTasks/Module1/Final_Task/K8C_FinalTask1_(Task8).pptx
@@ -7228,7 +7228,7 @@
                   <a:schemeClr val="tx1"/>
                 </a:solidFill>
               </a:rPr>
-              <a:t>└── Practice Tasks/  </a:t>
+              <a:t>└── Practice Tasks/module2  </a:t>
             </a:r>
           </a:p>
           <a:p>
@@ -7270,8 +7270,21 @@
                   <a:schemeClr val="tx1"/>
                 </a:solidFill>
               </a:rPr>
-              <a:t>        ├── Task_1/  </a:t>
+              <a:t>        ├── </a:t>
             </a:r>
+            <a:r>
+              <a:rPr lang="en-GB" sz="1000">
+                <a:solidFill>
+                  <a:schemeClr val="tx1"/>
+                </a:solidFill>
+              </a:rPr>
+              <a:t>Task_1/  </a:t>
+            </a:r>
+            <a:endParaRPr lang="en-GB" sz="1000" dirty="0">
+              <a:solidFill>
+                <a:schemeClr val="tx1"/>
+              </a:solidFill>
+            </a:endParaRPr>
           </a:p>
           <a:p>
             <a:pPr marL="0" lvl="0" indent="0">
